--- a/learn-dynamics-pr/dyn365-customer-service/enrich-data/media-layered/ingest-data-images.pptx
+++ b/learn-dynamics-pr/dyn365-customer-service/enrich-data/media-layered/ingest-data-images.pptx
@@ -5608,7 +5608,12 @@
 
 <file path=customXml/item1.xml><?xml version="1.0" encoding="utf-8"?>
 <p:properties xmlns:p="http://schemas.microsoft.com/office/2006/metadata/properties" xmlns:xsi="http://www.w3.org/2001/XMLSchema-instance" xmlns:pc="http://schemas.microsoft.com/office/infopath/2007/PartnerControls">
-  <documentManagement/>
+  <documentManagement>
+    <lcf76f155ced4ddcb4097134ff3c332f xmlns="ea27ad41-b76c-48da-b50a-9e9129eab2c8">
+      <Terms xmlns="http://schemas.microsoft.com/office/infopath/2007/PartnerControls"/>
+    </lcf76f155ced4ddcb4097134ff3c332f>
+    <TaxCatchAll xmlns="230e9df3-be65-4c73-a93b-d1236ebd677e" xsi:nil="true"/>
+  </documentManagement>
 </p:properties>
 </file>
 
@@ -5622,10 +5627,11 @@
 </file>
 
 <file path=customXml/item3.xml><?xml version="1.0" encoding="utf-8"?>
-<ct:contentTypeSchema xmlns:ct="http://schemas.microsoft.com/office/2006/metadata/contentType" xmlns:ma="http://schemas.microsoft.com/office/2006/metadata/properties/metaAttributes" ct:_="" ma:_="" ma:contentTypeName="Document" ma:contentTypeID="0x010100DE57A6EFC76ABA4FACD608027AD37391" ma:contentTypeVersion="11" ma:contentTypeDescription="Create a new document." ma:contentTypeScope="" ma:versionID="5a9524014408d9c055bad375c11d261d">
-  <xsd:schema xmlns:xsd="http://www.w3.org/2001/XMLSchema" xmlns:xs="http://www.w3.org/2001/XMLSchema" xmlns:p="http://schemas.microsoft.com/office/2006/metadata/properties" xmlns:ns2="643e6685-e387-473f-8fd5-3d4c34f15b3e" xmlns:ns3="8b76a9b3-ca17-4e2b-b9c3-e20d3b6a8ca4" targetNamespace="http://schemas.microsoft.com/office/2006/metadata/properties" ma:root="true" ma:fieldsID="125cc12229883cad5fbc96be65bc0f2e" ns2:_="" ns3:_="">
-    <xsd:import namespace="643e6685-e387-473f-8fd5-3d4c34f15b3e"/>
-    <xsd:import namespace="8b76a9b3-ca17-4e2b-b9c3-e20d3b6a8ca4"/>
+<ct:contentTypeSchema xmlns:ct="http://schemas.microsoft.com/office/2006/metadata/contentType" xmlns:ma="http://schemas.microsoft.com/office/2006/metadata/properties/metaAttributes" ct:_="" ma:_="" ma:contentTypeName="Document" ma:contentTypeID="0x010100B6185AE6A533FA49B358C9FD7B241431" ma:contentTypeVersion="15" ma:contentTypeDescription="Create a new document." ma:contentTypeScope="" ma:versionID="9735c2204aa5ac424cb4c5af03ea07a5">
+  <xsd:schema xmlns:xsd="http://www.w3.org/2001/XMLSchema" xmlns:xs="http://www.w3.org/2001/XMLSchema" xmlns:p="http://schemas.microsoft.com/office/2006/metadata/properties" xmlns:ns2="ea27ad41-b76c-48da-b50a-9e9129eab2c8" xmlns:ns3="33dd2fc6-a126-444e-8b8c-c28bc17d57f4" xmlns:ns4="230e9df3-be65-4c73-a93b-d1236ebd677e" targetNamespace="http://schemas.microsoft.com/office/2006/metadata/properties" ma:root="true" ma:fieldsID="3e2e68a897288a73bbeccb2230157c0a" ns2:_="" ns3:_="" ns4:_="">
+    <xsd:import namespace="ea27ad41-b76c-48da-b50a-9e9129eab2c8"/>
+    <xsd:import namespace="33dd2fc6-a126-444e-8b8c-c28bc17d57f4"/>
+    <xsd:import namespace="230e9df3-be65-4c73-a93b-d1236ebd677e"/>
     <xsd:element name="properties">
       <xsd:complexType>
         <xsd:sequence>
@@ -5634,15 +5640,17 @@
               <xsd:all>
                 <xsd:element ref="ns2:MediaServiceMetadata" minOccurs="0"/>
                 <xsd:element ref="ns2:MediaServiceFastMetadata" minOccurs="0"/>
-                <xsd:element ref="ns3:SharedWithUsers" minOccurs="0"/>
-                <xsd:element ref="ns3:SharedWithDetails" minOccurs="0"/>
-                <xsd:element ref="ns2:MediaServiceAutoTags" minOccurs="0"/>
                 <xsd:element ref="ns2:MediaServiceOCR" minOccurs="0"/>
                 <xsd:element ref="ns2:MediaServiceGenerationTime" minOccurs="0"/>
                 <xsd:element ref="ns2:MediaServiceEventHashCode" minOccurs="0"/>
+                <xsd:element ref="ns3:SharedWithUsers" minOccurs="0"/>
+                <xsd:element ref="ns3:SharedWithDetails" minOccurs="0"/>
                 <xsd:element ref="ns2:MediaServiceDateTaken" minOccurs="0"/>
+                <xsd:element ref="ns2:MediaLengthInSeconds" minOccurs="0"/>
                 <xsd:element ref="ns2:MediaServiceAutoKeyPoints" minOccurs="0"/>
                 <xsd:element ref="ns2:MediaServiceKeyPoints" minOccurs="0"/>
+                <xsd:element ref="ns2:lcf76f155ced4ddcb4097134ff3c332f" minOccurs="0"/>
+                <xsd:element ref="ns4:TaxCatchAll" minOccurs="0"/>
               </xsd:all>
             </xsd:complexType>
           </xsd:element>
@@ -5650,7 +5658,7 @@
       </xsd:complexType>
     </xsd:element>
   </xsd:schema>
-  <xsd:schema xmlns:xsd="http://www.w3.org/2001/XMLSchema" xmlns:xs="http://www.w3.org/2001/XMLSchema" xmlns:dms="http://schemas.microsoft.com/office/2006/documentManagement/types" xmlns:pc="http://schemas.microsoft.com/office/infopath/2007/PartnerControls" targetNamespace="643e6685-e387-473f-8fd5-3d4c34f15b3e" elementFormDefault="qualified">
+  <xsd:schema xmlns:xsd="http://www.w3.org/2001/XMLSchema" xmlns:xs="http://www.w3.org/2001/XMLSchema" xmlns:dms="http://schemas.microsoft.com/office/2006/documentManagement/types" xmlns:pc="http://schemas.microsoft.com/office/infopath/2007/PartnerControls" targetNamespace="ea27ad41-b76c-48da-b50a-9e9129eab2c8" elementFormDefault="qualified">
     <xsd:import namespace="http://schemas.microsoft.com/office/2006/documentManagement/types"/>
     <xsd:import namespace="http://schemas.microsoft.com/office/infopath/2007/PartnerControls"/>
     <xsd:element name="MediaServiceMetadata" ma:index="8" nillable="true" ma:displayName="MediaServiceMetadata" ma:hidden="true" ma:internalName="MediaServiceMetadata" ma:readOnly="true">
@@ -5663,31 +5671,31 @@
         <xsd:restriction base="dms:Note"/>
       </xsd:simpleType>
     </xsd:element>
-    <xsd:element name="MediaServiceAutoTags" ma:index="12" nillable="true" ma:displayName="Tags" ma:internalName="MediaServiceAutoTags" ma:readOnly="true">
-      <xsd:simpleType>
-        <xsd:restriction base="dms:Text"/>
-      </xsd:simpleType>
-    </xsd:element>
-    <xsd:element name="MediaServiceOCR" ma:index="13" nillable="true" ma:displayName="Extracted Text" ma:internalName="MediaServiceOCR" ma:readOnly="true">
+    <xsd:element name="MediaServiceOCR" ma:index="10" nillable="true" ma:displayName="Extracted Text" ma:internalName="MediaServiceOCR" ma:readOnly="true">
       <xsd:simpleType>
         <xsd:restriction base="dms:Note">
           <xsd:maxLength value="255"/>
         </xsd:restriction>
       </xsd:simpleType>
     </xsd:element>
-    <xsd:element name="MediaServiceGenerationTime" ma:index="14" nillable="true" ma:displayName="MediaServiceGenerationTime" ma:hidden="true" ma:internalName="MediaServiceGenerationTime" ma:readOnly="true">
+    <xsd:element name="MediaServiceGenerationTime" ma:index="11" nillable="true" ma:displayName="MediaServiceGenerationTime" ma:hidden="true" ma:internalName="MediaServiceGenerationTime" ma:readOnly="true">
       <xsd:simpleType>
         <xsd:restriction base="dms:Text"/>
       </xsd:simpleType>
     </xsd:element>
-    <xsd:element name="MediaServiceEventHashCode" ma:index="15" nillable="true" ma:displayName="MediaServiceEventHashCode" ma:hidden="true" ma:internalName="MediaServiceEventHashCode" ma:readOnly="true">
+    <xsd:element name="MediaServiceEventHashCode" ma:index="12" nillable="true" ma:displayName="MediaServiceEventHashCode" ma:hidden="true" ma:internalName="MediaServiceEventHashCode" ma:readOnly="true">
       <xsd:simpleType>
         <xsd:restriction base="dms:Text"/>
       </xsd:simpleType>
     </xsd:element>
-    <xsd:element name="MediaServiceDateTaken" ma:index="16" nillable="true" ma:displayName="MediaServiceDateTaken" ma:hidden="true" ma:internalName="MediaServiceDateTaken" ma:readOnly="true">
+    <xsd:element name="MediaServiceDateTaken" ma:index="15" nillable="true" ma:displayName="MediaServiceDateTaken" ma:hidden="true" ma:internalName="MediaServiceDateTaken" ma:readOnly="true">
       <xsd:simpleType>
         <xsd:restriction base="dms:Text"/>
+      </xsd:simpleType>
+    </xsd:element>
+    <xsd:element name="MediaLengthInSeconds" ma:index="16" nillable="true" ma:displayName="Length (seconds)" ma:internalName="MediaLengthInSeconds" ma:readOnly="true">
+      <xsd:simpleType>
+        <xsd:restriction base="dms:Unknown"/>
       </xsd:simpleType>
     </xsd:element>
     <xsd:element name="MediaServiceAutoKeyPoints" ma:index="17" nillable="true" ma:displayName="MediaServiceAutoKeyPoints" ma:hidden="true" ma:internalName="MediaServiceAutoKeyPoints" ma:readOnly="true">
@@ -5702,11 +5710,18 @@
         </xsd:restriction>
       </xsd:simpleType>
     </xsd:element>
+    <xsd:element name="lcf76f155ced4ddcb4097134ff3c332f" ma:index="20" nillable="true" ma:taxonomy="true" ma:internalName="lcf76f155ced4ddcb4097134ff3c332f" ma:taxonomyFieldName="MediaServiceImageTags" ma:displayName="Image Tags" ma:readOnly="false" ma:fieldId="{5cf76f15-5ced-4ddc-b409-7134ff3c332f}" ma:taxonomyMulti="true" ma:sspId="e385fb40-52d4-4fae-9c5b-3e8ff8a5878e" ma:termSetId="09814cd3-568e-fe90-9814-8d621ff8fb84" ma:anchorId="fba54fb3-c3e1-fe81-a776-ca4b69148c4d" ma:open="true" ma:isKeyword="false">
+      <xsd:complexType>
+        <xsd:sequence>
+          <xsd:element ref="pc:Terms" minOccurs="0" maxOccurs="1"/>
+        </xsd:sequence>
+      </xsd:complexType>
+    </xsd:element>
   </xsd:schema>
-  <xsd:schema xmlns:xsd="http://www.w3.org/2001/XMLSchema" xmlns:xs="http://www.w3.org/2001/XMLSchema" xmlns:dms="http://schemas.microsoft.com/office/2006/documentManagement/types" xmlns:pc="http://schemas.microsoft.com/office/infopath/2007/PartnerControls" targetNamespace="8b76a9b3-ca17-4e2b-b9c3-e20d3b6a8ca4" elementFormDefault="qualified">
+  <xsd:schema xmlns:xsd="http://www.w3.org/2001/XMLSchema" xmlns:xs="http://www.w3.org/2001/XMLSchema" xmlns:dms="http://schemas.microsoft.com/office/2006/documentManagement/types" xmlns:pc="http://schemas.microsoft.com/office/infopath/2007/PartnerControls" targetNamespace="33dd2fc6-a126-444e-8b8c-c28bc17d57f4" elementFormDefault="qualified">
     <xsd:import namespace="http://schemas.microsoft.com/office/2006/documentManagement/types"/>
     <xsd:import namespace="http://schemas.microsoft.com/office/infopath/2007/PartnerControls"/>
-    <xsd:element name="SharedWithUsers" ma:index="10" nillable="true" ma:displayName="Shared With" ma:internalName="SharedWithUsers" ma:readOnly="true">
+    <xsd:element name="SharedWithUsers" ma:index="13" nillable="true" ma:displayName="Shared With" ma:internalName="SharedWithUsers" ma:readOnly="true">
       <xsd:complexType>
         <xsd:complexContent>
           <xsd:extension base="dms:UserMulti">
@@ -5725,12 +5740,27 @@
         </xsd:complexContent>
       </xsd:complexType>
     </xsd:element>
-    <xsd:element name="SharedWithDetails" ma:index="11" nillable="true" ma:displayName="Shared With Details" ma:internalName="SharedWithDetails" ma:readOnly="true">
+    <xsd:element name="SharedWithDetails" ma:index="14" nillable="true" ma:displayName="Shared With Details" ma:internalName="SharedWithDetails" ma:readOnly="true">
       <xsd:simpleType>
         <xsd:restriction base="dms:Note">
           <xsd:maxLength value="255"/>
         </xsd:restriction>
       </xsd:simpleType>
+    </xsd:element>
+  </xsd:schema>
+  <xsd:schema xmlns:xsd="http://www.w3.org/2001/XMLSchema" xmlns:xs="http://www.w3.org/2001/XMLSchema" xmlns:dms="http://schemas.microsoft.com/office/2006/documentManagement/types" xmlns:pc="http://schemas.microsoft.com/office/infopath/2007/PartnerControls" targetNamespace="230e9df3-be65-4c73-a93b-d1236ebd677e" elementFormDefault="qualified">
+    <xsd:import namespace="http://schemas.microsoft.com/office/2006/documentManagement/types"/>
+    <xsd:import namespace="http://schemas.microsoft.com/office/infopath/2007/PartnerControls"/>
+    <xsd:element name="TaxCatchAll" ma:index="21" nillable="true" ma:displayName="Taxonomy Catch All Column" ma:hidden="true" ma:list="{441896d0-b48e-4744-b2e3-31a8e4f709e4}" ma:internalName="TaxCatchAll" ma:showField="CatchAllData" ma:web="33dd2fc6-a126-444e-8b8c-c28bc17d57f4">
+      <xsd:complexType>
+        <xsd:complexContent>
+          <xsd:extension base="dms:MultiChoiceLookup">
+            <xsd:sequence>
+              <xsd:element name="Value" type="dms:Lookup" maxOccurs="unbounded" minOccurs="0" nillable="true"/>
+            </xsd:sequence>
+          </xsd:extension>
+        </xsd:complexContent>
+      </xsd:complexType>
     </xsd:element>
   </xsd:schema>
   <xsd:schema xmlns="http://schemas.openxmlformats.org/package/2006/metadata/core-properties" xmlns:xsd="http://www.w3.org/2001/XMLSchema" xmlns:xsi="http://www.w3.org/2001/XMLSchema-instance" xmlns:dc="http://purl.org/dc/elements/1.1/" xmlns:dcterms="http://purl.org/dc/terms/" xmlns:odoc="http://schemas.microsoft.com/internal/obd" targetNamespace="http://schemas.openxmlformats.org/package/2006/metadata/core-properties" elementFormDefault="qualified" attributeFormDefault="unqualified" blockDefault="#all">
@@ -5850,20 +5880,5 @@
 </file>
 
 <file path=customXml/itemProps3.xml><?xml version="1.0" encoding="utf-8"?>
-<ds:datastoreItem xmlns:ds="http://schemas.openxmlformats.org/officeDocument/2006/customXml" ds:itemID="{FF737482-A94A-4780-8E74-CB4F88DADA09}">
-  <ds:schemaRefs>
-    <ds:schemaRef ds:uri="http://schemas.microsoft.com/office/2006/metadata/contentType"/>
-    <ds:schemaRef ds:uri="http://schemas.microsoft.com/office/2006/metadata/properties/metaAttributes"/>
-    <ds:schemaRef ds:uri="http://www.w3.org/2001/XMLSchema"/>
-    <ds:schemaRef ds:uri="http://schemas.microsoft.com/office/2006/metadata/properties"/>
-    <ds:schemaRef ds:uri="643e6685-e387-473f-8fd5-3d4c34f15b3e"/>
-    <ds:schemaRef ds:uri="8b76a9b3-ca17-4e2b-b9c3-e20d3b6a8ca4"/>
-    <ds:schemaRef ds:uri="http://schemas.microsoft.com/office/2006/documentManagement/types"/>
-    <ds:schemaRef ds:uri="http://schemas.microsoft.com/office/infopath/2007/PartnerControls"/>
-    <ds:schemaRef ds:uri="http://schemas.openxmlformats.org/package/2006/metadata/core-properties"/>
-    <ds:schemaRef ds:uri="http://purl.org/dc/elements/1.1/"/>
-    <ds:schemaRef ds:uri="http://purl.org/dc/terms/"/>
-    <ds:schemaRef ds:uri="http://schemas.microsoft.com/internal/obd"/>
-  </ds:schemaRefs>
-</ds:datastoreItem>
+<ds:datastoreItem xmlns:ds="http://schemas.openxmlformats.org/officeDocument/2006/customXml" ds:itemID="{C44F7D68-FAD7-49AE-80E6-D4C171C6E2D1}"/>
 </file>